--- a/MOTOR ASSEMBLY MONITORING THROUGH IMAGE ANALYSIS .pptx
+++ b/MOTOR ASSEMBLY MONITORING THROUGH IMAGE ANALYSIS .pptx
@@ -9990,7 +9990,7 @@
         </p:nvSpPr>
         <p:spPr>
           <a:xfrm>
-            <a:off x="3397808" y="6255342"/>
+            <a:off x="2395599" y="6187384"/>
             <a:ext cx="1257300" cy="457200"/>
           </a:xfrm>
           <a:prstGeom prst="ellipse">
@@ -10098,7 +10098,7 @@
         </p:nvSpPr>
         <p:spPr>
           <a:xfrm>
-            <a:off x="6196011" y="5130449"/>
+            <a:off x="3784794" y="5161880"/>
             <a:ext cx="2371725" cy="667297"/>
           </a:xfrm>
           <a:prstGeom prst="rect">
@@ -10145,10 +10145,10 @@
       </p:sp>
       <p:sp>
         <p:nvSpPr>
-          <p:cNvPr id="10" name="Rectangle 9">
-            <a:extLst>
-              <a:ext uri="{FF2B5EF4-FFF2-40B4-BE49-F238E27FC236}">
-                <a16:creationId xmlns:a16="http://schemas.microsoft.com/office/drawing/2014/main" id="{DF479100-CC33-E21D-42A2-29E8BCD7C5E7}"/>
+          <p:cNvPr id="11" name="Rectangle 10">
+            <a:extLst>
+              <a:ext uri="{FF2B5EF4-FFF2-40B4-BE49-F238E27FC236}">
+                <a16:creationId xmlns:a16="http://schemas.microsoft.com/office/drawing/2014/main" id="{6118B7BD-2AD0-E088-A7A5-B8D898B09B07}"/>
               </a:ext>
             </a:extLst>
           </p:cNvPr>
@@ -10157,8 +10157,8 @@
         </p:nvSpPr>
         <p:spPr>
           <a:xfrm>
-            <a:off x="2807549" y="5157299"/>
-            <a:ext cx="2471737" cy="667297"/>
+            <a:off x="167182" y="5161883"/>
+            <a:ext cx="2471737" cy="667296"/>
           </a:xfrm>
           <a:prstGeom prst="rect">
             <a:avLst/>
@@ -10186,7 +10186,7 @@
           <a:p>
             <a:pPr algn="ctr"/>
             <a:r>
-              <a:rPr lang="en-US" sz="1400" b="0" i="0" dirty="0">
+              <a:rPr lang="en-US" sz="1400" b="0" i="0">
                 <a:solidFill>
                   <a:schemeClr val="bg1"/>
                 </a:solidFill>
@@ -10204,10 +10204,10 @@
       </p:sp>
       <p:sp>
         <p:nvSpPr>
-          <p:cNvPr id="11" name="Rectangle 10">
-            <a:extLst>
-              <a:ext uri="{FF2B5EF4-FFF2-40B4-BE49-F238E27FC236}">
-                <a16:creationId xmlns:a16="http://schemas.microsoft.com/office/drawing/2014/main" id="{6118B7BD-2AD0-E088-A7A5-B8D898B09B07}"/>
+          <p:cNvPr id="12" name="Flowchart: Decision 11">
+            <a:extLst>
+              <a:ext uri="{FF2B5EF4-FFF2-40B4-BE49-F238E27FC236}">
+                <a16:creationId xmlns:a16="http://schemas.microsoft.com/office/drawing/2014/main" id="{9AEE4562-9634-D5AB-E092-138A67730F83}"/>
               </a:ext>
             </a:extLst>
           </p:cNvPr>
@@ -10216,10 +10216,10 @@
         </p:nvSpPr>
         <p:spPr>
           <a:xfrm>
-            <a:off x="167182" y="5161883"/>
-            <a:ext cx="2471737" cy="667296"/>
-          </a:xfrm>
-          <a:prstGeom prst="rect">
+            <a:off x="1752601" y="2435031"/>
+            <a:ext cx="2371725" cy="1561890"/>
+          </a:xfrm>
+          <a:prstGeom prst="flowChartDecision">
             <a:avLst/>
           </a:prstGeom>
         </p:spPr>
@@ -10251,125 +10251,7 @@
                 </a:solidFill>
                 <a:effectLst/>
               </a:rPr>
-              <a:t>Output: Assembly issue detected with low SSIM and partial insertion</a:t>
-            </a:r>
-            <a:endParaRPr lang="en-IN" sz="1400" dirty="0">
-              <a:solidFill>
-                <a:schemeClr val="bg1"/>
-              </a:solidFill>
-            </a:endParaRPr>
-          </a:p>
-        </p:txBody>
-      </p:sp>
-      <p:sp>
-        <p:nvSpPr>
-          <p:cNvPr id="12" name="Flowchart: Decision 11">
-            <a:extLst>
-              <a:ext uri="{FF2B5EF4-FFF2-40B4-BE49-F238E27FC236}">
-                <a16:creationId xmlns:a16="http://schemas.microsoft.com/office/drawing/2014/main" id="{9AEE4562-9634-D5AB-E092-138A67730F83}"/>
-              </a:ext>
-            </a:extLst>
-          </p:cNvPr>
-          <p:cNvSpPr/>
-          <p:nvPr/>
-        </p:nvSpPr>
-        <p:spPr>
-          <a:xfrm>
-            <a:off x="1752601" y="2711045"/>
-            <a:ext cx="2390210" cy="1285875"/>
-          </a:xfrm>
-          <a:prstGeom prst="flowChartDecision">
-            <a:avLst/>
-          </a:prstGeom>
-        </p:spPr>
-        <p:style>
-          <a:lnRef idx="2">
-            <a:schemeClr val="accent1">
-              <a:shade val="15000"/>
-            </a:schemeClr>
-          </a:lnRef>
-          <a:fillRef idx="1">
-            <a:schemeClr val="accent1"/>
-          </a:fillRef>
-          <a:effectRef idx="0">
-            <a:schemeClr val="accent1"/>
-          </a:effectRef>
-          <a:fontRef idx="minor">
-            <a:schemeClr val="lt1"/>
-          </a:fontRef>
-        </p:style>
-        <p:txBody>
-          <a:bodyPr rtlCol="0" anchor="ctr"/>
-          <a:lstStyle/>
-          <a:p>
-            <a:pPr algn="ctr"/>
-            <a:r>
-              <a:rPr lang="en-US" sz="1400" b="0" i="0" dirty="0">
-                <a:solidFill>
-                  <a:schemeClr val="bg1"/>
-                </a:solidFill>
-                <a:effectLst/>
-              </a:rPr>
               <a:t>Is SSIM &lt; Threshold and Insertion &lt; Threshold ?</a:t>
-            </a:r>
-            <a:endParaRPr lang="en-IN" sz="1400" dirty="0">
-              <a:solidFill>
-                <a:schemeClr val="bg1"/>
-              </a:solidFill>
-            </a:endParaRPr>
-          </a:p>
-        </p:txBody>
-      </p:sp>
-      <p:sp>
-        <p:nvSpPr>
-          <p:cNvPr id="13" name="Flowchart: Decision 12">
-            <a:extLst>
-              <a:ext uri="{FF2B5EF4-FFF2-40B4-BE49-F238E27FC236}">
-                <a16:creationId xmlns:a16="http://schemas.microsoft.com/office/drawing/2014/main" id="{96287443-529E-48C5-AEA5-563E06F1078A}"/>
-              </a:ext>
-            </a:extLst>
-          </p:cNvPr>
-          <p:cNvSpPr/>
-          <p:nvPr/>
-        </p:nvSpPr>
-        <p:spPr>
-          <a:xfrm>
-            <a:off x="4954576" y="3905323"/>
-            <a:ext cx="2078761" cy="1173508"/>
-          </a:xfrm>
-          <a:prstGeom prst="flowChartDecision">
-            <a:avLst/>
-          </a:prstGeom>
-        </p:spPr>
-        <p:style>
-          <a:lnRef idx="2">
-            <a:schemeClr val="accent1">
-              <a:shade val="15000"/>
-            </a:schemeClr>
-          </a:lnRef>
-          <a:fillRef idx="1">
-            <a:schemeClr val="accent1"/>
-          </a:fillRef>
-          <a:effectRef idx="0">
-            <a:schemeClr val="accent1"/>
-          </a:effectRef>
-          <a:fontRef idx="minor">
-            <a:schemeClr val="lt1"/>
-          </a:fontRef>
-        </p:style>
-        <p:txBody>
-          <a:bodyPr rtlCol="0" anchor="ctr"/>
-          <a:lstStyle/>
-          <a:p>
-            <a:pPr algn="ctr"/>
-            <a:r>
-              <a:rPr lang="en-IN" sz="1400" b="0" i="0" dirty="0">
-                <a:solidFill>
-                  <a:schemeClr val="bg1"/>
-                </a:solidFill>
-                <a:effectLst/>
-              </a:rPr>
-              <a:t>Is SSIM &lt; Threshold ?</a:t>
             </a:r>
             <a:endParaRPr lang="en-IN" sz="1400" dirty="0">
               <a:solidFill>
@@ -10439,14 +10321,14 @@
           <p:cNvCxnSpPr>
             <a:cxnSpLocks/>
             <a:stCxn id="12" idx="3"/>
-            <a:endCxn id="13" idx="0"/>
+            <a:endCxn id="9" idx="0"/>
           </p:cNvCxnSpPr>
           <p:nvPr/>
         </p:nvCxnSpPr>
         <p:spPr>
           <a:xfrm>
-            <a:off x="4142811" y="3353983"/>
-            <a:ext cx="1851146" cy="551340"/>
+            <a:off x="4124326" y="3215976"/>
+            <a:ext cx="846331" cy="1945904"/>
           </a:xfrm>
           <a:prstGeom prst="bentConnector2">
             <a:avLst/>
@@ -10495,7 +10377,7 @@
         <p:spPr>
           <a:xfrm>
             <a:off x="2938464" y="2131613"/>
-            <a:ext cx="9242" cy="579432"/>
+            <a:ext cx="0" cy="303418"/>
           </a:xfrm>
           <a:prstGeom prst="straightConnector1">
             <a:avLst/>
@@ -10543,8 +10425,8 @@
         </p:nvCxnSpPr>
         <p:spPr>
           <a:xfrm rot="10800000" flipV="1">
-            <a:off x="1403051" y="3353983"/>
-            <a:ext cx="349550" cy="1807900"/>
+            <a:off x="1403051" y="3215975"/>
+            <a:ext cx="349550" cy="1945907"/>
           </a:xfrm>
           <a:prstGeom prst="bentConnector2">
             <a:avLst/>
@@ -10574,104 +10456,6 @@
           </a:fontRef>
         </p:style>
       </p:cxnSp>
-      <p:cxnSp>
-        <p:nvCxnSpPr>
-          <p:cNvPr id="25" name="Connector: Elbow 24">
-            <a:extLst>
-              <a:ext uri="{FF2B5EF4-FFF2-40B4-BE49-F238E27FC236}">
-                <a16:creationId xmlns:a16="http://schemas.microsoft.com/office/drawing/2014/main" id="{4B074626-4D57-CF02-5A5F-002AE29C8AFB}"/>
-              </a:ext>
-            </a:extLst>
-          </p:cNvPr>
-          <p:cNvCxnSpPr>
-            <a:cxnSpLocks/>
-            <a:stCxn id="13" idx="1"/>
-            <a:endCxn id="10" idx="0"/>
-          </p:cNvCxnSpPr>
-          <p:nvPr/>
-        </p:nvCxnSpPr>
-        <p:spPr>
-          <a:xfrm rot="10800000" flipV="1">
-            <a:off x="4043418" y="4492077"/>
-            <a:ext cx="911158" cy="665222"/>
-          </a:xfrm>
-          <a:prstGeom prst="bentConnector2">
-            <a:avLst/>
-          </a:prstGeom>
-          <a:ln w="19050" cap="flat" cmpd="sng" algn="ctr">
-            <a:solidFill>
-              <a:schemeClr val="dk1"/>
-            </a:solidFill>
-            <a:prstDash val="solid"/>
-            <a:round/>
-            <a:headEnd type="none" w="med" len="med"/>
-            <a:tailEnd type="arrow" w="med" len="med"/>
-          </a:ln>
-        </p:spPr>
-        <p:style>
-          <a:lnRef idx="0">
-            <a:scrgbClr r="0" g="0" b="0"/>
-          </a:lnRef>
-          <a:fillRef idx="0">
-            <a:scrgbClr r="0" g="0" b="0"/>
-          </a:fillRef>
-          <a:effectRef idx="0">
-            <a:scrgbClr r="0" g="0" b="0"/>
-          </a:effectRef>
-          <a:fontRef idx="minor">
-            <a:schemeClr val="tx1"/>
-          </a:fontRef>
-        </p:style>
-      </p:cxnSp>
-      <p:cxnSp>
-        <p:nvCxnSpPr>
-          <p:cNvPr id="27" name="Connector: Elbow 26">
-            <a:extLst>
-              <a:ext uri="{FF2B5EF4-FFF2-40B4-BE49-F238E27FC236}">
-                <a16:creationId xmlns:a16="http://schemas.microsoft.com/office/drawing/2014/main" id="{15B8F122-26C9-F967-16BE-999AD876BAB8}"/>
-              </a:ext>
-            </a:extLst>
-          </p:cNvPr>
-          <p:cNvCxnSpPr>
-            <a:cxnSpLocks/>
-            <a:stCxn id="13" idx="3"/>
-            <a:endCxn id="9" idx="0"/>
-          </p:cNvCxnSpPr>
-          <p:nvPr/>
-        </p:nvCxnSpPr>
-        <p:spPr>
-          <a:xfrm>
-            <a:off x="7033337" y="4492077"/>
-            <a:ext cx="348537" cy="638372"/>
-          </a:xfrm>
-          <a:prstGeom prst="bentConnector2">
-            <a:avLst/>
-          </a:prstGeom>
-          <a:ln w="19050" cap="flat" cmpd="sng" algn="ctr">
-            <a:solidFill>
-              <a:schemeClr val="dk1"/>
-            </a:solidFill>
-            <a:prstDash val="solid"/>
-            <a:round/>
-            <a:headEnd type="none" w="med" len="med"/>
-            <a:tailEnd type="arrow" w="med" len="med"/>
-          </a:ln>
-        </p:spPr>
-        <p:style>
-          <a:lnRef idx="0">
-            <a:scrgbClr r="0" g="0" b="0"/>
-          </a:lnRef>
-          <a:fillRef idx="0">
-            <a:scrgbClr r="0" g="0" b="0"/>
-          </a:fillRef>
-          <a:effectRef idx="0">
-            <a:scrgbClr r="0" g="0" b="0"/>
-          </a:effectRef>
-          <a:fontRef idx="minor">
-            <a:schemeClr val="tx1"/>
-          </a:fontRef>
-        </p:style>
-      </p:cxnSp>
       <p:sp>
         <p:nvSpPr>
           <p:cNvPr id="43" name="TextBox 42">
@@ -10686,7 +10470,7 @@
         </p:nvSpPr>
         <p:spPr>
           <a:xfrm>
-            <a:off x="1313057" y="3149617"/>
+            <a:off x="1138282" y="2926646"/>
             <a:ext cx="439544" cy="276999"/>
           </a:xfrm>
           <a:prstGeom prst="rect">
@@ -10722,79 +10506,7 @@
         </p:nvSpPr>
         <p:spPr>
           <a:xfrm>
-            <a:off x="4329174" y="3149616"/>
-            <a:ext cx="405880" cy="276999"/>
-          </a:xfrm>
-          <a:prstGeom prst="rect">
-            <a:avLst/>
-          </a:prstGeom>
-          <a:noFill/>
-        </p:spPr>
-        <p:txBody>
-          <a:bodyPr wrap="none" rtlCol="0">
-            <a:spAutoFit/>
-          </a:bodyPr>
-          <a:lstStyle/>
-          <a:p>
-            <a:r>
-              <a:rPr lang="en-US" sz="1200" dirty="0"/>
-              <a:t>NO</a:t>
-            </a:r>
-            <a:endParaRPr lang="en-IN" sz="1200" dirty="0"/>
-          </a:p>
-        </p:txBody>
-      </p:sp>
-      <p:sp>
-        <p:nvSpPr>
-          <p:cNvPr id="46" name="TextBox 45">
-            <a:extLst>
-              <a:ext uri="{FF2B5EF4-FFF2-40B4-BE49-F238E27FC236}">
-                <a16:creationId xmlns:a16="http://schemas.microsoft.com/office/drawing/2014/main" id="{78CD09FB-8A1A-245A-1018-C974C93DDB7E}"/>
-              </a:ext>
-            </a:extLst>
-          </p:cNvPr>
-          <p:cNvSpPr txBox="1"/>
-          <p:nvPr/>
-        </p:nvSpPr>
-        <p:spPr>
-          <a:xfrm>
-            <a:off x="4435336" y="4254054"/>
-            <a:ext cx="439544" cy="276999"/>
-          </a:xfrm>
-          <a:prstGeom prst="rect">
-            <a:avLst/>
-          </a:prstGeom>
-          <a:noFill/>
-        </p:spPr>
-        <p:txBody>
-          <a:bodyPr wrap="none" rtlCol="0">
-            <a:spAutoFit/>
-          </a:bodyPr>
-          <a:lstStyle/>
-          <a:p>
-            <a:r>
-              <a:rPr lang="en-US" sz="1200" dirty="0"/>
-              <a:t>YES</a:t>
-            </a:r>
-            <a:endParaRPr lang="en-IN" sz="1200" dirty="0"/>
-          </a:p>
-        </p:txBody>
-      </p:sp>
-      <p:sp>
-        <p:nvSpPr>
-          <p:cNvPr id="48" name="TextBox 47">
-            <a:extLst>
-              <a:ext uri="{FF2B5EF4-FFF2-40B4-BE49-F238E27FC236}">
-                <a16:creationId xmlns:a16="http://schemas.microsoft.com/office/drawing/2014/main" id="{68C029B5-8AF1-A358-BDA0-D21B9C164019}"/>
-              </a:ext>
-            </a:extLst>
-          </p:cNvPr>
-          <p:cNvSpPr txBox="1"/>
-          <p:nvPr/>
-        </p:nvSpPr>
-        <p:spPr>
-          <a:xfrm>
-            <a:off x="7004666" y="4254544"/>
+            <a:off x="4287269" y="2946042"/>
             <a:ext cx="405880" cy="276999"/>
           </a:xfrm>
           <a:prstGeom prst="rect">
@@ -10833,8 +10545,8 @@
         </p:nvCxnSpPr>
         <p:spPr>
           <a:xfrm rot="16200000" flipH="1">
-            <a:off x="2073048" y="5159181"/>
-            <a:ext cx="654763" cy="1994757"/>
+            <a:off x="1605923" y="5626307"/>
+            <a:ext cx="586805" cy="992548"/>
           </a:xfrm>
           <a:prstGeom prst="bentConnector2">
             <a:avLst/>
@@ -10881,8 +10593,8 @@
         </p:nvCxnSpPr>
         <p:spPr>
           <a:xfrm rot="5400000">
-            <a:off x="5675393" y="4777461"/>
-            <a:ext cx="686196" cy="2726766"/>
+            <a:off x="4018375" y="5463701"/>
+            <a:ext cx="586807" cy="1317758"/>
           </a:xfrm>
           <a:prstGeom prst="bentConnector2">
             <a:avLst/>
@@ -10912,54 +10624,6 @@
           </a:fontRef>
         </p:style>
       </p:cxnSp>
-      <p:cxnSp>
-        <p:nvCxnSpPr>
-          <p:cNvPr id="54" name="Straight Arrow Connector 53">
-            <a:extLst>
-              <a:ext uri="{FF2B5EF4-FFF2-40B4-BE49-F238E27FC236}">
-                <a16:creationId xmlns:a16="http://schemas.microsoft.com/office/drawing/2014/main" id="{02048AAF-4285-FE85-2F35-CE111F795280}"/>
-              </a:ext>
-            </a:extLst>
-          </p:cNvPr>
-          <p:cNvCxnSpPr>
-            <a:stCxn id="10" idx="2"/>
-            <a:endCxn id="6" idx="0"/>
-          </p:cNvCxnSpPr>
-          <p:nvPr/>
-        </p:nvCxnSpPr>
-        <p:spPr>
-          <a:xfrm flipH="1">
-            <a:off x="4026458" y="5824596"/>
-            <a:ext cx="16960" cy="430746"/>
-          </a:xfrm>
-          <a:prstGeom prst="straightConnector1">
-            <a:avLst/>
-          </a:prstGeom>
-          <a:ln w="19050" cap="flat" cmpd="sng" algn="ctr">
-            <a:solidFill>
-              <a:schemeClr val="dk1"/>
-            </a:solidFill>
-            <a:prstDash val="solid"/>
-            <a:round/>
-            <a:headEnd type="none" w="med" len="med"/>
-            <a:tailEnd type="arrow" w="med" len="med"/>
-          </a:ln>
-        </p:spPr>
-        <p:style>
-          <a:lnRef idx="0">
-            <a:scrgbClr r="0" g="0" b="0"/>
-          </a:lnRef>
-          <a:fillRef idx="0">
-            <a:scrgbClr r="0" g="0" b="0"/>
-          </a:fillRef>
-          <a:effectRef idx="0">
-            <a:scrgbClr r="0" g="0" b="0"/>
-          </a:effectRef>
-          <a:fontRef idx="minor">
-            <a:schemeClr val="tx1"/>
-          </a:fontRef>
-        </p:style>
-      </p:cxnSp>
       <p:sp>
         <p:nvSpPr>
           <p:cNvPr id="76" name="TextBox 75">
@@ -10975,7 +10639,7 @@
         <p:spPr>
           <a:xfrm>
             <a:off x="5114747" y="517847"/>
-            <a:ext cx="6957696" cy="2554545"/>
+            <a:ext cx="6957696" cy="2800767"/>
           </a:xfrm>
           <a:prstGeom prst="rect">
             <a:avLst/>
@@ -10990,55 +10654,23 @@
           <a:p>
             <a:r>
               <a:rPr lang="en-US" sz="1600" dirty="0"/>
-              <a:t>The threshold values for SSIM, insertion percentage, and surface roughness are defined to evaluate the assembly quality. The program first checks if both the SSIM score and insertion percentage are below their respective thresholds. If both are below, it indicates a significant assembly issue, and the program will report a problem with alignment and insertion.</a:t>
+              <a:t>The threshold values for SSIM, insertion percentage, and surface roughness are defined to evaluate the assembly quality. The program first checks if both the SSIM score and insertion percentage are below their respective thresholds. If both are below, the program will highlight the alignment issue, noting that the material is partially inserted.</a:t>
             </a:r>
           </a:p>
           <a:p>
             <a:endParaRPr lang="en-US" sz="1600" dirty="0"/>
           </a:p>
-          <a:p>
-            <a:r>
-              <a:rPr lang="en-US" sz="1600" dirty="0"/>
-              <a:t>If only the SSIM score is below the threshold, but the insertion percentage is acceptable, the program will highlight the alignment issue, noting that the material is partially inserted.</a:t>
-            </a:r>
-          </a:p>
-          <a:p>
-            <a:endParaRPr lang="en-US" sz="1600" dirty="0"/>
-          </a:p>
-        </p:txBody>
-      </p:sp>
-      <p:sp>
-        <p:nvSpPr>
-          <p:cNvPr id="87" name="TextBox 86">
-            <a:extLst>
-              <a:ext uri="{FF2B5EF4-FFF2-40B4-BE49-F238E27FC236}">
-                <a16:creationId xmlns:a16="http://schemas.microsoft.com/office/drawing/2014/main" id="{F3D43399-0E92-4647-FCA1-5C38C6FE1977}"/>
-              </a:ext>
-            </a:extLst>
-          </p:cNvPr>
-          <p:cNvSpPr txBox="1"/>
-          <p:nvPr/>
-        </p:nvSpPr>
-        <p:spPr>
-          <a:xfrm>
-            <a:off x="6385876" y="2843213"/>
-            <a:ext cx="5372737" cy="1077218"/>
-          </a:xfrm>
-          <a:prstGeom prst="rect">
-            <a:avLst/>
-          </a:prstGeom>
-          <a:noFill/>
-        </p:spPr>
-        <p:txBody>
-          <a:bodyPr wrap="square" rtlCol="0">
-            <a:spAutoFit/>
-          </a:bodyPr>
-          <a:lstStyle/>
           <a:p>
             <a:r>
               <a:rPr lang="en-US" sz="1600" dirty="0"/>
               <a:t>If neither SSIM nor insertion percentage falls below their thresholds, the assembly is deemed acceptable, and the program will confirm that both alignment and insertion are within the acceptable range.</a:t>
             </a:r>
+          </a:p>
+          <a:p>
+            <a:endParaRPr lang="en-US" sz="1600" dirty="0"/>
+          </a:p>
+          <a:p>
+            <a:endParaRPr lang="en-US" sz="1600" dirty="0"/>
           </a:p>
         </p:txBody>
       </p:sp>
@@ -13294,7 +12926,42 @@
                 <a:ea typeface="Aptos" panose="020B0004020202020204" pitchFamily="34" charset="0"/>
                 <a:cs typeface="Times New Roman" panose="02020603050405020304" pitchFamily="18" charset="0"/>
               </a:rPr>
-              <a:t>values to two dictionary keys where keys are’ ref file’:</a:t>
+              <a:t>values to two dictionary keys where keys are</a:t>
+            </a:r>
+            <a:r>
+              <a:rPr lang="en-IN" sz="1800" b="1" dirty="0">
+                <a:latin typeface="Aptos" panose="020B0004020202020204" pitchFamily="34" charset="0"/>
+                <a:ea typeface="Aptos" panose="020B0004020202020204" pitchFamily="34" charset="0"/>
+                <a:cs typeface="Times New Roman" panose="02020603050405020304" pitchFamily="18" charset="0"/>
+              </a:rPr>
+              <a:t>’ ref file’:</a:t>
+            </a:r>
+            <a:r>
+              <a:rPr lang="en-IN" sz="1800" b="1" dirty="0">
+                <a:effectLst/>
+                <a:latin typeface="Aptos" panose="020B0004020202020204" pitchFamily="34" charset="0"/>
+                <a:ea typeface="Aptos" panose="020B0004020202020204" pitchFamily="34" charset="0"/>
+                <a:cs typeface="Times New Roman" panose="02020603050405020304" pitchFamily="18" charset="0"/>
+              </a:rPr>
+              <a:t> </a:t>
+            </a:r>
+            <a:r>
+              <a:rPr lang="en-US" sz="1800" b="1" dirty="0">
+                <a:effectLst/>
+                <a:latin typeface="Aptos" panose="020B0004020202020204" pitchFamily="34" charset="0"/>
+                <a:ea typeface="Aptos" panose="020B0004020202020204" pitchFamily="34" charset="0"/>
+                <a:cs typeface="Times New Roman" panose="02020603050405020304" pitchFamily="18" charset="0"/>
+              </a:rPr>
+              <a:t> </a:t>
+            </a:r>
+            <a:r>
+              <a:rPr lang="en-US" sz="1800" dirty="0">
+                <a:effectLst/>
+                <a:latin typeface="Aptos" panose="020B0004020202020204" pitchFamily="34" charset="0"/>
+                <a:ea typeface="Aptos" panose="020B0004020202020204" pitchFamily="34" charset="0"/>
+                <a:cs typeface="Times New Roman" panose="02020603050405020304" pitchFamily="18" charset="0"/>
+              </a:rPr>
+              <a:t>reference image with proper magnet fitment </a:t>
             </a:r>
             <a:r>
               <a:rPr lang="en-IN" sz="1800" dirty="0">
@@ -13303,7 +12970,7 @@
                 <a:ea typeface="Aptos" panose="020B0004020202020204" pitchFamily="34" charset="0"/>
                 <a:cs typeface="Times New Roman" panose="02020603050405020304" pitchFamily="18" charset="0"/>
               </a:rPr>
-              <a:t> “</a:t>
+              <a:t>and</a:t>
             </a:r>
             <a:r>
               <a:rPr lang="en-IN" sz="1800" b="1" dirty="0">
@@ -13312,59 +12979,49 @@
                 <a:ea typeface="Aptos" panose="020B0004020202020204" pitchFamily="34" charset="0"/>
                 <a:cs typeface="Times New Roman" panose="02020603050405020304" pitchFamily="18" charset="0"/>
               </a:rPr>
-              <a:t>magnet_insertion-proper.jpg</a:t>
-            </a:r>
-            <a:r>
-              <a:rPr lang="en-IN" sz="1800" dirty="0">
+              <a:t>’ test </a:t>
+            </a:r>
+            <a:r>
+              <a:rPr lang="en-IN" sz="1800" b="1" dirty="0" err="1">
                 <a:effectLst/>
                 <a:latin typeface="Aptos" panose="020B0004020202020204" pitchFamily="34" charset="0"/>
                 <a:ea typeface="Aptos" panose="020B0004020202020204" pitchFamily="34" charset="0"/>
                 <a:cs typeface="Times New Roman" panose="02020603050405020304" pitchFamily="18" charset="0"/>
               </a:rPr>
-              <a:t>” and’ test </a:t>
-            </a:r>
-            <a:r>
-              <a:rPr lang="en-IN" sz="1800" dirty="0" err="1">
+              <a:t>dir</a:t>
+            </a:r>
+            <a:r>
+              <a:rPr lang="en-IN" sz="1800" b="1" dirty="0">
                 <a:effectLst/>
                 <a:latin typeface="Aptos" panose="020B0004020202020204" pitchFamily="34" charset="0"/>
                 <a:ea typeface="Aptos" panose="020B0004020202020204" pitchFamily="34" charset="0"/>
                 <a:cs typeface="Times New Roman" panose="02020603050405020304" pitchFamily="18" charset="0"/>
               </a:rPr>
-              <a:t>dir</a:t>
-            </a:r>
-            <a:r>
-              <a:rPr lang="en-IN" sz="1800" dirty="0">
+              <a:t> ’: </a:t>
+            </a:r>
+            <a:r>
+              <a:rPr lang="en-US" sz="1800" b="1" dirty="0">
                 <a:effectLst/>
                 <a:latin typeface="Aptos" panose="020B0004020202020204" pitchFamily="34" charset="0"/>
                 <a:ea typeface="Aptos" panose="020B0004020202020204" pitchFamily="34" charset="0"/>
                 <a:cs typeface="Times New Roman" panose="02020603050405020304" pitchFamily="18" charset="0"/>
               </a:rPr>
-              <a:t>’: </a:t>
-            </a:r>
-            <a:r>
-              <a:rPr lang="en-IN" sz="1800" dirty="0">
+              <a:t> </a:t>
+            </a:r>
+            <a:r>
+              <a:rPr lang="en-US" sz="1800" dirty="0">
+                <a:effectLst/>
                 <a:latin typeface="Aptos" panose="020B0004020202020204" pitchFamily="34" charset="0"/>
                 <a:ea typeface="Aptos" panose="020B0004020202020204" pitchFamily="34" charset="0"/>
                 <a:cs typeface="Times New Roman" panose="02020603050405020304" pitchFamily="18" charset="0"/>
               </a:rPr>
-              <a:t>“</a:t>
-            </a:r>
-            <a:r>
-              <a:rPr lang="en-IN" sz="1800" b="1" dirty="0" err="1">
-                <a:latin typeface="Aptos" panose="020B0004020202020204" pitchFamily="34" charset="0"/>
-                <a:ea typeface="Aptos" panose="020B0004020202020204" pitchFamily="34" charset="0"/>
-                <a:cs typeface="Times New Roman" panose="02020603050405020304" pitchFamily="18" charset="0"/>
-              </a:rPr>
-              <a:t>new_images</a:t>
-            </a:r>
-            <a:r>
-              <a:rPr lang="en-IN" sz="1800" dirty="0">
-                <a:latin typeface="Aptos" panose="020B0004020202020204" pitchFamily="34" charset="0"/>
-                <a:ea typeface="Aptos" panose="020B0004020202020204" pitchFamily="34" charset="0"/>
-                <a:cs typeface="Times New Roman" panose="02020603050405020304" pitchFamily="18" charset="0"/>
-              </a:rPr>
-              <a:t>” </a:t>
-            </a:r>
+              <a:t>folder location where the test images are kept.</a:t>
+            </a:r>
+            <a:endParaRPr lang="en-IN" sz="1800" dirty="0">
+              <a:latin typeface="Aptos" panose="020B0004020202020204" pitchFamily="34" charset="0"/>
+              <a:ea typeface="Aptos" panose="020B0004020202020204" pitchFamily="34" charset="0"/>
+              <a:cs typeface="Times New Roman" panose="02020603050405020304" pitchFamily="18" charset="0"/>
+            </a:endParaRPr>
           </a:p>
           <a:p>
             <a:pPr marL="742950" lvl="1" indent="-285750">
